--- a/figure_panels.pptx
+++ b/figure_panels.pptx
@@ -5,11 +5,9 @@
     <p:sldMasterId id="2147483648" r:id="rId1"/>
   </p:sldMasterIdLst>
   <p:sldIdLst>
-    <p:sldId id="256" r:id="rId2"/>
-    <p:sldId id="257" r:id="rId3"/>
-    <p:sldId id="258" r:id="rId4"/>
-    <p:sldId id="259" r:id="rId5"/>
-    <p:sldId id="260" r:id="rId6"/>
+    <p:sldId id="258" r:id="rId2"/>
+    <p:sldId id="259" r:id="rId3"/>
+    <p:sldId id="260" r:id="rId4"/>
   </p:sldIdLst>
   <p:sldSz cx="12192000" cy="6858000"/>
   <p:notesSz cx="6858000" cy="9144000"/>
@@ -108,6 +106,11 @@
       </a:defRPr>
     </a:lvl9pPr>
   </p:defaultTextStyle>
+  <p:extLst>
+    <p:ext uri="{EFAFB233-063F-42B5-8137-9DF3F51BA10A}">
+      <p15:sldGuideLst xmlns:p15="http://schemas.microsoft.com/office/powerpoint/2012/main"/>
+    </p:ext>
+  </p:extLst>
 </p:presentation>
 </file>
 
@@ -258,7 +261,7 @@
           <a:p>
             <a:fld id="{12A608AB-24EA-4F99-9606-4B4708CDA0DD}" type="datetimeFigureOut">
               <a:rPr lang="en-US" smtClean="0"/>
-              <a:t>6/5/2024</a:t>
+              <a:t>10/29/2024</a:t>
             </a:fld>
             <a:endParaRPr lang="en-US"/>
           </a:p>
@@ -456,7 +459,7 @@
           <a:p>
             <a:fld id="{12A608AB-24EA-4F99-9606-4B4708CDA0DD}" type="datetimeFigureOut">
               <a:rPr lang="en-US" smtClean="0"/>
-              <a:t>6/5/2024</a:t>
+              <a:t>10/29/2024</a:t>
             </a:fld>
             <a:endParaRPr lang="en-US"/>
           </a:p>
@@ -664,7 +667,7 @@
           <a:p>
             <a:fld id="{12A608AB-24EA-4F99-9606-4B4708CDA0DD}" type="datetimeFigureOut">
               <a:rPr lang="en-US" smtClean="0"/>
-              <a:t>6/5/2024</a:t>
+              <a:t>10/29/2024</a:t>
             </a:fld>
             <a:endParaRPr lang="en-US"/>
           </a:p>
@@ -862,7 +865,7 @@
           <a:p>
             <a:fld id="{12A608AB-24EA-4F99-9606-4B4708CDA0DD}" type="datetimeFigureOut">
               <a:rPr lang="en-US" smtClean="0"/>
-              <a:t>6/5/2024</a:t>
+              <a:t>10/29/2024</a:t>
             </a:fld>
             <a:endParaRPr lang="en-US"/>
           </a:p>
@@ -1137,7 +1140,7 @@
           <a:p>
             <a:fld id="{12A608AB-24EA-4F99-9606-4B4708CDA0DD}" type="datetimeFigureOut">
               <a:rPr lang="en-US" smtClean="0"/>
-              <a:t>6/5/2024</a:t>
+              <a:t>10/29/2024</a:t>
             </a:fld>
             <a:endParaRPr lang="en-US"/>
           </a:p>
@@ -1402,7 +1405,7 @@
           <a:p>
             <a:fld id="{12A608AB-24EA-4F99-9606-4B4708CDA0DD}" type="datetimeFigureOut">
               <a:rPr lang="en-US" smtClean="0"/>
-              <a:t>6/5/2024</a:t>
+              <a:t>10/29/2024</a:t>
             </a:fld>
             <a:endParaRPr lang="en-US"/>
           </a:p>
@@ -1814,7 +1817,7 @@
           <a:p>
             <a:fld id="{12A608AB-24EA-4F99-9606-4B4708CDA0DD}" type="datetimeFigureOut">
               <a:rPr lang="en-US" smtClean="0"/>
-              <a:t>6/5/2024</a:t>
+              <a:t>10/29/2024</a:t>
             </a:fld>
             <a:endParaRPr lang="en-US"/>
           </a:p>
@@ -1955,7 +1958,7 @@
           <a:p>
             <a:fld id="{12A608AB-24EA-4F99-9606-4B4708CDA0DD}" type="datetimeFigureOut">
               <a:rPr lang="en-US" smtClean="0"/>
-              <a:t>6/5/2024</a:t>
+              <a:t>10/29/2024</a:t>
             </a:fld>
             <a:endParaRPr lang="en-US"/>
           </a:p>
@@ -2068,7 +2071,7 @@
           <a:p>
             <a:fld id="{12A608AB-24EA-4F99-9606-4B4708CDA0DD}" type="datetimeFigureOut">
               <a:rPr lang="en-US" smtClean="0"/>
-              <a:t>6/5/2024</a:t>
+              <a:t>10/29/2024</a:t>
             </a:fld>
             <a:endParaRPr lang="en-US"/>
           </a:p>
@@ -2379,7 +2382,7 @@
           <a:p>
             <a:fld id="{12A608AB-24EA-4F99-9606-4B4708CDA0DD}" type="datetimeFigureOut">
               <a:rPr lang="en-US" smtClean="0"/>
-              <a:t>6/5/2024</a:t>
+              <a:t>10/29/2024</a:t>
             </a:fld>
             <a:endParaRPr lang="en-US"/>
           </a:p>
@@ -2667,7 +2670,7 @@
           <a:p>
             <a:fld id="{12A608AB-24EA-4F99-9606-4B4708CDA0DD}" type="datetimeFigureOut">
               <a:rPr lang="en-US" smtClean="0"/>
-              <a:t>6/5/2024</a:t>
+              <a:t>10/29/2024</a:t>
             </a:fld>
             <a:endParaRPr lang="en-US"/>
           </a:p>
@@ -2908,7 +2911,7 @@
           <a:p>
             <a:fld id="{12A608AB-24EA-4F99-9606-4B4708CDA0DD}" type="datetimeFigureOut">
               <a:rPr lang="en-US" smtClean="0"/>
-              <a:t>6/5/2024</a:t>
+              <a:t>10/29/2024</a:t>
             </a:fld>
             <a:endParaRPr lang="en-US"/>
           </a:p>
@@ -3325,92 +3328,12 @@
           <a:chExt cx="0" cy="0"/>
         </a:xfrm>
       </p:grpSpPr>
-      <p:sp>
-        <p:nvSpPr>
-          <p:cNvPr id="2" name="Title 1">
-            <a:extLst>
-              <a:ext uri="{FF2B5EF4-FFF2-40B4-BE49-F238E27FC236}">
-                <a16:creationId xmlns:a16="http://schemas.microsoft.com/office/drawing/2014/main" id="{F1C4BAD9-0B8E-C0F9-F7DD-F78BB4FA5E73}"/>
-              </a:ext>
-            </a:extLst>
-          </p:cNvPr>
-          <p:cNvSpPr>
-            <a:spLocks noGrp="1"/>
-          </p:cNvSpPr>
-          <p:nvPr>
-            <p:ph type="ctrTitle"/>
-          </p:nvPr>
-        </p:nvSpPr>
-        <p:spPr/>
-        <p:txBody>
-          <a:bodyPr/>
-          <a:lstStyle/>
-          <a:p>
-            <a:endParaRPr lang="en-US"/>
-          </a:p>
-        </p:txBody>
-      </p:sp>
-      <p:sp>
-        <p:nvSpPr>
-          <p:cNvPr id="3" name="Subtitle 2">
-            <a:extLst>
-              <a:ext uri="{FF2B5EF4-FFF2-40B4-BE49-F238E27FC236}">
-                <a16:creationId xmlns:a16="http://schemas.microsoft.com/office/drawing/2014/main" id="{1844CE81-6D24-26D0-B367-4773D9E9B531}"/>
-              </a:ext>
-            </a:extLst>
-          </p:cNvPr>
-          <p:cNvSpPr>
-            <a:spLocks noGrp="1"/>
-          </p:cNvSpPr>
-          <p:nvPr>
-            <p:ph type="subTitle" idx="1"/>
-          </p:nvPr>
-        </p:nvSpPr>
-        <p:spPr/>
-        <p:txBody>
-          <a:bodyPr/>
-          <a:lstStyle/>
-          <a:p>
-            <a:endParaRPr lang="en-US"/>
-          </a:p>
-        </p:txBody>
-      </p:sp>
-    </p:spTree>
-    <p:extLst>
-      <p:ext uri="{BB962C8B-B14F-4D97-AF65-F5344CB8AC3E}">
-        <p14:creationId xmlns:p14="http://schemas.microsoft.com/office/powerpoint/2010/main" val="121152160"/>
-      </p:ext>
-    </p:extLst>
-  </p:cSld>
-  <p:clrMapOvr>
-    <a:masterClrMapping/>
-  </p:clrMapOvr>
-</p:sld>
-</file>
-
-<file path=ppt/slides/slide2.xml><?xml version="1.0" encoding="utf-8"?>
-<p:sld xmlns:a="http://schemas.openxmlformats.org/drawingml/2006/main" xmlns:r="http://schemas.openxmlformats.org/officeDocument/2006/relationships" xmlns:p="http://schemas.openxmlformats.org/presentationml/2006/main">
-  <p:cSld>
-    <p:spTree>
-      <p:nvGrpSpPr>
-        <p:cNvPr id="1" name=""/>
-        <p:cNvGrpSpPr/>
-        <p:nvPr/>
-      </p:nvGrpSpPr>
-      <p:grpSpPr>
-        <a:xfrm>
-          <a:off x="0" y="0"/>
-          <a:ext cx="0" cy="0"/>
-          <a:chOff x="0" y="0"/>
-          <a:chExt cx="0" cy="0"/>
-        </a:xfrm>
-      </p:grpSpPr>
       <p:pic>
         <p:nvPicPr>
-          <p:cNvPr id="4" name="Picture 3" descr="A screenshot of a computer&#10;&#10;Description automatically generated">
-            <a:extLst>
-              <a:ext uri="{FF2B5EF4-FFF2-40B4-BE49-F238E27FC236}">
-                <a16:creationId xmlns:a16="http://schemas.microsoft.com/office/drawing/2014/main" id="{599B719E-FD89-C133-C775-B96C32D7387D}"/>
+          <p:cNvPr id="3" name="Picture 2">
+            <a:extLst>
+              <a:ext uri="{FF2B5EF4-FFF2-40B4-BE49-F238E27FC236}">
+                <a16:creationId xmlns:a16="http://schemas.microsoft.com/office/drawing/2014/main" id="{CDE3B3F6-B3A9-6BD8-3605-7B37D3DDD108}"/>
               </a:ext>
             </a:extLst>
           </p:cNvPr>
@@ -3421,274 +3344,17 @@
         </p:nvPicPr>
         <p:blipFill rotWithShape="1">
           <a:blip r:embed="rId2"/>
-          <a:srcRect l="25686" t="19986" r="984" b="7712"/>
+          <a:srcRect t="13493" b="13650"/>
           <a:stretch/>
         </p:blipFill>
-        <p:spPr bwMode="auto">
-          <a:xfrm rot="16200000">
-            <a:off x="-430045" y="1525456"/>
-            <a:ext cx="6788288" cy="3764441"/>
+        <p:spPr>
+          <a:xfrm>
+            <a:off x="2960757" y="848649"/>
+            <a:ext cx="5875290" cy="2407820"/>
           </a:xfrm>
           <a:prstGeom prst="rect">
             <a:avLst/>
           </a:prstGeom>
-          <a:ln>
-            <a:noFill/>
-          </a:ln>
-          <a:extLst>
-            <a:ext uri="{53640926-AAD7-44D8-BBD7-CCE9431645EC}">
-              <a14:shadowObscured xmlns:a14="http://schemas.microsoft.com/office/drawing/2010/main"/>
-            </a:ext>
-          </a:extLst>
-        </p:spPr>
-      </p:pic>
-      <p:pic>
-        <p:nvPicPr>
-          <p:cNvPr id="5" name="Picture 4" descr="A screenshot of a computer&#10;&#10;Description automatically generated">
-            <a:extLst>
-              <a:ext uri="{FF2B5EF4-FFF2-40B4-BE49-F238E27FC236}">
-                <a16:creationId xmlns:a16="http://schemas.microsoft.com/office/drawing/2014/main" id="{1D320D8D-73CB-E6BB-F226-450F85CC8E08}"/>
-              </a:ext>
-            </a:extLst>
-          </p:cNvPr>
-          <p:cNvPicPr>
-            <a:picLocks noChangeAspect="1"/>
-          </p:cNvPicPr>
-          <p:nvPr/>
-        </p:nvPicPr>
-        <p:blipFill rotWithShape="1">
-          <a:blip r:embed="rId3"/>
-          <a:srcRect l="26760" t="56366" r="840" b="8002"/>
-          <a:stretch/>
-        </p:blipFill>
-        <p:spPr bwMode="auto">
-          <a:xfrm rot="16200000">
-            <a:off x="4615675" y="2468318"/>
-            <a:ext cx="6788297" cy="1878710"/>
-          </a:xfrm>
-          <a:prstGeom prst="rect">
-            <a:avLst/>
-          </a:prstGeom>
-          <a:ln>
-            <a:noFill/>
-          </a:ln>
-          <a:extLst>
-            <a:ext uri="{53640926-AAD7-44D8-BBD7-CCE9431645EC}">
-              <a14:shadowObscured xmlns:a14="http://schemas.microsoft.com/office/drawing/2010/main"/>
-            </a:ext>
-          </a:extLst>
-        </p:spPr>
-      </p:pic>
-      <p:pic>
-        <p:nvPicPr>
-          <p:cNvPr id="6" name="Picture 5" descr="A screenshot of a computer&#10;&#10;Description automatically generated">
-            <a:extLst>
-              <a:ext uri="{FF2B5EF4-FFF2-40B4-BE49-F238E27FC236}">
-                <a16:creationId xmlns:a16="http://schemas.microsoft.com/office/drawing/2014/main" id="{E4119B26-DF4E-B040-7281-D38449BECDFB}"/>
-              </a:ext>
-            </a:extLst>
-          </p:cNvPr>
-          <p:cNvPicPr>
-            <a:picLocks noChangeAspect="1"/>
-          </p:cNvPicPr>
-          <p:nvPr/>
-        </p:nvPicPr>
-        <p:blipFill rotWithShape="1">
-          <a:blip r:embed="rId4"/>
-          <a:srcRect l="27148" t="56129" r="660" b="8350"/>
-          <a:stretch/>
-        </p:blipFill>
-        <p:spPr bwMode="auto">
-          <a:xfrm rot="16200000">
-            <a:off x="2564252" y="2468323"/>
-            <a:ext cx="6788290" cy="1878707"/>
-          </a:xfrm>
-          <a:prstGeom prst="rect">
-            <a:avLst/>
-          </a:prstGeom>
-          <a:ln>
-            <a:noFill/>
-          </a:ln>
-          <a:extLst>
-            <a:ext uri="{53640926-AAD7-44D8-BBD7-CCE9431645EC}">
-              <a14:shadowObscured xmlns:a14="http://schemas.microsoft.com/office/drawing/2010/main"/>
-            </a:ext>
-          </a:extLst>
-        </p:spPr>
-      </p:pic>
-      <p:sp>
-        <p:nvSpPr>
-          <p:cNvPr id="7" name="TextBox 6">
-            <a:extLst>
-              <a:ext uri="{FF2B5EF4-FFF2-40B4-BE49-F238E27FC236}">
-                <a16:creationId xmlns:a16="http://schemas.microsoft.com/office/drawing/2014/main" id="{702CB31F-1F19-B5C1-EBB8-3D1C75651F17}"/>
-              </a:ext>
-            </a:extLst>
-          </p:cNvPr>
-          <p:cNvSpPr txBox="1"/>
-          <p:nvPr/>
-        </p:nvSpPr>
-        <p:spPr>
-          <a:xfrm rot="16200000">
-            <a:off x="959815" y="6508151"/>
-            <a:ext cx="268022" cy="211917"/>
-          </a:xfrm>
-          <a:prstGeom prst="rect">
-            <a:avLst/>
-          </a:prstGeom>
-          <a:noFill/>
-        </p:spPr>
-        <p:txBody>
-          <a:bodyPr wrap="none" rtlCol="0">
-            <a:spAutoFit/>
-          </a:bodyPr>
-          <a:lstStyle/>
-          <a:p>
-            <a:r>
-              <a:rPr lang="en-CA" sz="777" b="1" dirty="0"/>
-              <a:t>a)</a:t>
-            </a:r>
-            <a:endParaRPr lang="en-US" sz="777" b="1" dirty="0"/>
-          </a:p>
-        </p:txBody>
-      </p:sp>
-      <p:sp>
-        <p:nvSpPr>
-          <p:cNvPr id="8" name="TextBox 7">
-            <a:extLst>
-              <a:ext uri="{FF2B5EF4-FFF2-40B4-BE49-F238E27FC236}">
-                <a16:creationId xmlns:a16="http://schemas.microsoft.com/office/drawing/2014/main" id="{D00DA252-C1AB-6C21-9CDC-9677AB08F2C9}"/>
-              </a:ext>
-            </a:extLst>
-          </p:cNvPr>
-          <p:cNvSpPr txBox="1"/>
-          <p:nvPr/>
-        </p:nvSpPr>
-        <p:spPr>
-          <a:xfrm rot="16200000">
-            <a:off x="4698759" y="6502541"/>
-            <a:ext cx="271228" cy="211917"/>
-          </a:xfrm>
-          <a:prstGeom prst="rect">
-            <a:avLst/>
-          </a:prstGeom>
-          <a:noFill/>
-        </p:spPr>
-        <p:txBody>
-          <a:bodyPr wrap="none" rtlCol="0">
-            <a:spAutoFit/>
-          </a:bodyPr>
-          <a:lstStyle/>
-          <a:p>
-            <a:r>
-              <a:rPr lang="en-CA" sz="777" b="1" dirty="0"/>
-              <a:t>b)</a:t>
-            </a:r>
-            <a:endParaRPr lang="en-US" sz="777" b="1" dirty="0"/>
-          </a:p>
-        </p:txBody>
-      </p:sp>
-      <p:sp>
-        <p:nvSpPr>
-          <p:cNvPr id="9" name="TextBox 8">
-            <a:extLst>
-              <a:ext uri="{FF2B5EF4-FFF2-40B4-BE49-F238E27FC236}">
-                <a16:creationId xmlns:a16="http://schemas.microsoft.com/office/drawing/2014/main" id="{201B6844-7E09-EB33-2CEB-063DC25FDFE9}"/>
-              </a:ext>
-            </a:extLst>
-          </p:cNvPr>
-          <p:cNvSpPr txBox="1"/>
-          <p:nvPr/>
-        </p:nvSpPr>
-        <p:spPr>
-          <a:xfrm rot="16200000">
-            <a:off x="6665432" y="6502541"/>
-            <a:ext cx="268022" cy="211917"/>
-          </a:xfrm>
-          <a:prstGeom prst="rect">
-            <a:avLst/>
-          </a:prstGeom>
-          <a:noFill/>
-        </p:spPr>
-        <p:txBody>
-          <a:bodyPr wrap="none" rtlCol="0">
-            <a:spAutoFit/>
-          </a:bodyPr>
-          <a:lstStyle/>
-          <a:p>
-            <a:r>
-              <a:rPr lang="en-CA" sz="777" b="1" dirty="0"/>
-              <a:t>c)</a:t>
-            </a:r>
-            <a:endParaRPr lang="en-US" sz="777" b="1" dirty="0"/>
-          </a:p>
-        </p:txBody>
-      </p:sp>
-    </p:spTree>
-    <p:extLst>
-      <p:ext uri="{BB962C8B-B14F-4D97-AF65-F5344CB8AC3E}">
-        <p14:creationId xmlns:p14="http://schemas.microsoft.com/office/powerpoint/2010/main" val="554667314"/>
-      </p:ext>
-    </p:extLst>
-  </p:cSld>
-  <p:clrMapOvr>
-    <a:masterClrMapping/>
-  </p:clrMapOvr>
-</p:sld>
-</file>
-
-<file path=ppt/slides/slide3.xml><?xml version="1.0" encoding="utf-8"?>
-<p:sld xmlns:a="http://schemas.openxmlformats.org/drawingml/2006/main" xmlns:r="http://schemas.openxmlformats.org/officeDocument/2006/relationships" xmlns:p="http://schemas.openxmlformats.org/presentationml/2006/main">
-  <p:cSld>
-    <p:spTree>
-      <p:nvGrpSpPr>
-        <p:cNvPr id="1" name=""/>
-        <p:cNvGrpSpPr/>
-        <p:nvPr/>
-      </p:nvGrpSpPr>
-      <p:grpSpPr>
-        <a:xfrm>
-          <a:off x="0" y="0"/>
-          <a:ext cx="0" cy="0"/>
-          <a:chOff x="0" y="0"/>
-          <a:chExt cx="0" cy="0"/>
-        </a:xfrm>
-      </p:grpSpPr>
-      <p:pic>
-        <p:nvPicPr>
-          <p:cNvPr id="4" name="Picture 3" descr="A screenshot of a computer&#10;&#10;Description automatically generated">
-            <a:extLst>
-              <a:ext uri="{FF2B5EF4-FFF2-40B4-BE49-F238E27FC236}">
-                <a16:creationId xmlns:a16="http://schemas.microsoft.com/office/drawing/2014/main" id="{A8BECF01-ED7E-C886-F4BE-684369AFF376}"/>
-              </a:ext>
-            </a:extLst>
-          </p:cNvPr>
-          <p:cNvPicPr>
-            <a:picLocks noChangeAspect="1"/>
-          </p:cNvPicPr>
-          <p:nvPr/>
-        </p:nvPicPr>
-        <p:blipFill rotWithShape="1">
-          <a:blip r:embed="rId2"/>
-          <a:srcRect l="25686" t="19986" r="984" b="7712"/>
-          <a:stretch/>
-        </p:blipFill>
-        <p:spPr bwMode="auto">
-          <a:xfrm>
-            <a:off x="2966367" y="64837"/>
-            <a:ext cx="5869680" cy="3255027"/>
-          </a:xfrm>
-          <a:prstGeom prst="rect">
-            <a:avLst/>
-          </a:prstGeom>
-          <a:ln>
-            <a:noFill/>
-          </a:ln>
-          <a:extLst>
-            <a:ext uri="{53640926-AAD7-44D8-BBD7-CCE9431645EC}">
-              <a14:shadowObscured xmlns:a14="http://schemas.microsoft.com/office/drawing/2010/main"/>
-            </a:ext>
-          </a:extLst>
         </p:spPr>
       </p:pic>
       <p:pic>
@@ -3779,8 +3445,8 @@
         </p:nvSpPr>
         <p:spPr>
           <a:xfrm>
-            <a:off x="2966367" y="-76845"/>
-            <a:ext cx="268022" cy="211917"/>
+            <a:off x="2771442" y="664717"/>
+            <a:ext cx="378630" cy="369332"/>
           </a:xfrm>
           <a:prstGeom prst="rect">
             <a:avLst/>
@@ -3794,10 +3460,10 @@
           <a:lstStyle/>
           <a:p>
             <a:r>
-              <a:rPr lang="en-CA" sz="777" b="1" dirty="0"/>
+              <a:rPr lang="en-CA" sz="1800" b="1" dirty="0"/>
               <a:t>a)</a:t>
             </a:r>
-            <a:endParaRPr lang="en-US" sz="777" b="1" dirty="0"/>
+            <a:endParaRPr lang="en-US" sz="1800" b="1" dirty="0"/>
           </a:p>
         </p:txBody>
       </p:sp>
@@ -3815,8 +3481,8 @@
         </p:nvSpPr>
         <p:spPr>
           <a:xfrm>
-            <a:off x="2960757" y="2968722"/>
-            <a:ext cx="271228" cy="211917"/>
+            <a:off x="2767435" y="3045744"/>
+            <a:ext cx="386644" cy="369332"/>
           </a:xfrm>
           <a:prstGeom prst="rect">
             <a:avLst/>
@@ -3830,10 +3496,10 @@
           <a:lstStyle/>
           <a:p>
             <a:r>
-              <a:rPr lang="en-CA" sz="777" b="1" dirty="0"/>
+              <a:rPr lang="en-CA" sz="1800" b="1" dirty="0"/>
               <a:t>b)</a:t>
             </a:r>
-            <a:endParaRPr lang="en-US" sz="777" b="1" dirty="0"/>
+            <a:endParaRPr lang="en-US" sz="1800" b="1" dirty="0"/>
           </a:p>
         </p:txBody>
       </p:sp>
@@ -3851,8 +3517,8 @@
         </p:nvSpPr>
         <p:spPr>
           <a:xfrm>
-            <a:off x="2960757" y="4756375"/>
-            <a:ext cx="268022" cy="211917"/>
+            <a:off x="2771442" y="4859452"/>
+            <a:ext cx="378630" cy="369332"/>
           </a:xfrm>
           <a:prstGeom prst="rect">
             <a:avLst/>
@@ -3866,10 +3532,10 @@
           <a:lstStyle/>
           <a:p>
             <a:r>
-              <a:rPr lang="en-CA" sz="777" b="1" dirty="0"/>
+              <a:rPr lang="en-CA" sz="1800" b="1" dirty="0"/>
               <a:t>c)</a:t>
             </a:r>
-            <a:endParaRPr lang="en-US" sz="777" b="1" dirty="0"/>
+            <a:endParaRPr lang="en-US" sz="1800" b="1" dirty="0"/>
           </a:p>
         </p:txBody>
       </p:sp>
@@ -3886,7 +3552,7 @@
 </p:sld>
 </file>
 
-<file path=ppt/slides/slide4.xml><?xml version="1.0" encoding="utf-8"?>
+<file path=ppt/slides/slide2.xml><?xml version="1.0" encoding="utf-8"?>
 <p:sld xmlns:a="http://schemas.openxmlformats.org/drawingml/2006/main" xmlns:r="http://schemas.openxmlformats.org/officeDocument/2006/relationships" xmlns:p="http://schemas.openxmlformats.org/presentationml/2006/main">
   <p:cSld>
     <p:spTree>
@@ -3905,10 +3571,10 @@
       </p:grpSpPr>
       <p:pic>
         <p:nvPicPr>
-          <p:cNvPr id="3" name="Picture 2" descr="A screenshot of a computer&#10;&#10;Description automatically generated">
-            <a:extLst>
-              <a:ext uri="{FF2B5EF4-FFF2-40B4-BE49-F238E27FC236}">
-                <a16:creationId xmlns:a16="http://schemas.microsoft.com/office/drawing/2014/main" id="{77069943-B204-A1B4-6A61-A25749DEA36E}"/>
+          <p:cNvPr id="9" name="Picture 8">
+            <a:extLst>
+              <a:ext uri="{FF2B5EF4-FFF2-40B4-BE49-F238E27FC236}">
+                <a16:creationId xmlns:a16="http://schemas.microsoft.com/office/drawing/2014/main" id="{DAB8B627-F893-23D3-C28A-21A288BC562A}"/>
               </a:ext>
             </a:extLst>
           </p:cNvPr>
@@ -3919,25 +3585,17 @@
         </p:nvPicPr>
         <p:blipFill rotWithShape="1">
           <a:blip r:embed="rId2"/>
-          <a:srcRect l="25534" t="27730" r="854" b="7693"/>
+          <a:srcRect t="13651" b="13651"/>
           <a:stretch/>
         </p:blipFill>
-        <p:spPr bwMode="auto">
+        <p:spPr>
           <a:xfrm>
-            <a:off x="2192112" y="466423"/>
-            <a:ext cx="7288757" cy="3596907"/>
+            <a:off x="2192108" y="936170"/>
+            <a:ext cx="7261981" cy="2969633"/>
           </a:xfrm>
           <a:prstGeom prst="rect">
             <a:avLst/>
           </a:prstGeom>
-          <a:ln>
-            <a:noFill/>
-          </a:ln>
-          <a:extLst>
-            <a:ext uri="{53640926-AAD7-44D8-BBD7-CCE9431645EC}">
-              <a14:shadowObscured xmlns:a14="http://schemas.microsoft.com/office/drawing/2010/main"/>
-            </a:ext>
-          </a:extLst>
         </p:spPr>
       </p:pic>
       <p:pic>
@@ -3991,8 +3649,8 @@
         </p:nvSpPr>
         <p:spPr>
           <a:xfrm>
-            <a:off x="2192110" y="466425"/>
-            <a:ext cx="268022" cy="211917"/>
+            <a:off x="1990773" y="725920"/>
+            <a:ext cx="401072" cy="400110"/>
           </a:xfrm>
           <a:prstGeom prst="rect">
             <a:avLst/>
@@ -4006,10 +3664,10 @@
           <a:lstStyle/>
           <a:p>
             <a:r>
-              <a:rPr lang="en-CA" sz="777" b="1" dirty="0"/>
+              <a:rPr lang="en-CA" sz="2000" b="1" dirty="0"/>
               <a:t>a)</a:t>
             </a:r>
-            <a:endParaRPr lang="en-US" sz="777" b="1" dirty="0"/>
+            <a:endParaRPr lang="en-US" sz="2000" b="1" dirty="0"/>
           </a:p>
         </p:txBody>
       </p:sp>
@@ -4027,8 +3685,8 @@
         </p:nvSpPr>
         <p:spPr>
           <a:xfrm>
-            <a:off x="2186500" y="3929138"/>
-            <a:ext cx="271228" cy="211917"/>
+            <a:off x="1990773" y="3899707"/>
+            <a:ext cx="410690" cy="400110"/>
           </a:xfrm>
           <a:prstGeom prst="rect">
             <a:avLst/>
@@ -4042,10 +3700,10 @@
           <a:lstStyle/>
           <a:p>
             <a:r>
-              <a:rPr lang="en-CA" sz="777" b="1" dirty="0"/>
+              <a:rPr lang="en-CA" sz="2000" b="1" dirty="0"/>
               <a:t>b)</a:t>
             </a:r>
-            <a:endParaRPr lang="en-US" sz="777" b="1" dirty="0"/>
+            <a:endParaRPr lang="en-US" sz="2000" b="1" dirty="0"/>
           </a:p>
         </p:txBody>
       </p:sp>
@@ -4062,7 +3720,7 @@
 </p:sld>
 </file>
 
-<file path=ppt/slides/slide5.xml><?xml version="1.0" encoding="utf-8"?>
+<file path=ppt/slides/slide3.xml><?xml version="1.0" encoding="utf-8"?>
 <p:sld xmlns:a="http://schemas.openxmlformats.org/drawingml/2006/main" xmlns:r="http://schemas.openxmlformats.org/officeDocument/2006/relationships" xmlns:p="http://schemas.openxmlformats.org/presentationml/2006/main">
   <p:cSld>
     <p:spTree>
@@ -4079,10 +3737,68 @@
           <a:chExt cx="0" cy="0"/>
         </a:xfrm>
       </p:grpSpPr>
+      <p:pic>
+        <p:nvPicPr>
+          <p:cNvPr id="5" name="Picture 4">
+            <a:extLst>
+              <a:ext uri="{FF2B5EF4-FFF2-40B4-BE49-F238E27FC236}">
+                <a16:creationId xmlns:a16="http://schemas.microsoft.com/office/drawing/2014/main" id="{F69EF9B6-8773-2C7A-73EB-14E1216394C8}"/>
+              </a:ext>
+            </a:extLst>
+          </p:cNvPr>
+          <p:cNvPicPr>
+            <a:picLocks noChangeAspect="1"/>
+          </p:cNvPicPr>
+          <p:nvPr/>
+        </p:nvPicPr>
+        <p:blipFill rotWithShape="1">
+          <a:blip r:embed="rId2"/>
+          <a:srcRect l="3553" t="9931" r="5342" b="2456"/>
+          <a:stretch/>
+        </p:blipFill>
+        <p:spPr>
+          <a:xfrm>
+            <a:off x="1270535" y="1366787"/>
+            <a:ext cx="9011410" cy="4874632"/>
+          </a:xfrm>
+          <a:prstGeom prst="rect">
+            <a:avLst/>
+          </a:prstGeom>
+        </p:spPr>
+      </p:pic>
+      <p:pic>
+        <p:nvPicPr>
+          <p:cNvPr id="7" name="Picture 6">
+            <a:extLst>
+              <a:ext uri="{FF2B5EF4-FFF2-40B4-BE49-F238E27FC236}">
+                <a16:creationId xmlns:a16="http://schemas.microsoft.com/office/drawing/2014/main" id="{81B3F371-9A8C-AE85-93D6-0A7F971E09CA}"/>
+              </a:ext>
+            </a:extLst>
+          </p:cNvPr>
+          <p:cNvPicPr>
+            <a:picLocks noChangeAspect="1"/>
+          </p:cNvPicPr>
+          <p:nvPr/>
+        </p:nvPicPr>
+        <p:blipFill rotWithShape="1">
+          <a:blip r:embed="rId3"/>
+          <a:srcRect l="10714" t="20725" r="72007" b="57431"/>
+          <a:stretch/>
+        </p:blipFill>
+        <p:spPr>
+          <a:xfrm>
+            <a:off x="2040556" y="1588168"/>
+            <a:ext cx="2165684" cy="1540042"/>
+          </a:xfrm>
+          <a:prstGeom prst="rect">
+            <a:avLst/>
+          </a:prstGeom>
+        </p:spPr>
+      </p:pic>
     </p:spTree>
     <p:extLst>
       <p:ext uri="{BB962C8B-B14F-4D97-AF65-F5344CB8AC3E}">
-        <p14:creationId xmlns:p14="http://schemas.microsoft.com/office/powerpoint/2010/main" val="144821199"/>
+        <p14:creationId xmlns:p14="http://schemas.microsoft.com/office/powerpoint/2010/main" val="294009658"/>
       </p:ext>
     </p:extLst>
   </p:cSld>
